--- a/presentation/Travel expert presentation.pptx
+++ b/presentation/Travel expert presentation.pptx
@@ -216,7 +216,7 @@
           <a:p>
             <a:fld id="{7D7D0FC4-79A4-4CD6-9D21-6D2AFDDF42EC}" type="datetimeFigureOut">
               <a:rPr lang="en-JM" smtClean="0"/>
-              <a:t>17/11/2014</a:t>
+              <a:t>18/11/2014</a:t>
             </a:fld>
             <a:endParaRPr lang="en-JM"/>
           </a:p>
@@ -713,7 +713,7 @@
           <a:p>
             <a:fld id="{C4454D4A-72BC-49F2-AD6B-19DF036FF0CE}" type="datetime1">
               <a:rPr lang="en-JM" smtClean="0"/>
-              <a:t>17/11/2014</a:t>
+              <a:t>18/11/2014</a:t>
             </a:fld>
             <a:endParaRPr lang="en-JM" dirty="0"/>
           </a:p>
@@ -936,7 +936,7 @@
           <a:p>
             <a:fld id="{39352BB9-2E4D-4A8F-A30F-869DCD394CE6}" type="datetime1">
               <a:rPr lang="en-JM" smtClean="0"/>
-              <a:t>17/11/2014</a:t>
+              <a:t>18/11/2014</a:t>
             </a:fld>
             <a:endParaRPr lang="en-JM"/>
           </a:p>
@@ -1081,7 +1081,7 @@
           <a:p>
             <a:fld id="{39352BB9-2E4D-4A8F-A30F-869DCD394CE6}" type="datetime1">
               <a:rPr lang="en-JM" smtClean="0"/>
-              <a:t>17/11/2014</a:t>
+              <a:t>18/11/2014</a:t>
             </a:fld>
             <a:endParaRPr lang="en-JM"/>
           </a:p>
@@ -1515,7 +1515,7 @@
           <a:p>
             <a:fld id="{39352BB9-2E4D-4A8F-A30F-869DCD394CE6}" type="datetime1">
               <a:rPr lang="en-JM" smtClean="0"/>
-              <a:t>17/11/2014</a:t>
+              <a:t>18/11/2014</a:t>
             </a:fld>
             <a:endParaRPr lang="en-JM"/>
           </a:p>
@@ -1922,7 +1922,7 @@
           <a:p>
             <a:fld id="{39352BB9-2E4D-4A8F-A30F-869DCD394CE6}" type="datetime1">
               <a:rPr lang="en-JM" smtClean="0"/>
-              <a:t>17/11/2014</a:t>
+              <a:t>18/11/2014</a:t>
             </a:fld>
             <a:endParaRPr lang="en-JM"/>
           </a:p>
@@ -2185,7 +2185,7 @@
           <a:p>
             <a:fld id="{39352BB9-2E4D-4A8F-A30F-869DCD394CE6}" type="datetime1">
               <a:rPr lang="en-JM" smtClean="0"/>
-              <a:t>17/11/2014</a:t>
+              <a:t>18/11/2014</a:t>
             </a:fld>
             <a:endParaRPr lang="en-JM"/>
           </a:p>
@@ -2563,7 +2563,7 @@
           <a:p>
             <a:fld id="{39352BB9-2E4D-4A8F-A30F-869DCD394CE6}" type="datetime1">
               <a:rPr lang="en-JM" smtClean="0"/>
-              <a:t>17/11/2014</a:t>
+              <a:t>18/11/2014</a:t>
             </a:fld>
             <a:endParaRPr lang="en-JM"/>
           </a:p>
@@ -2858,7 +2858,7 @@
           <a:p>
             <a:fld id="{39352BB9-2E4D-4A8F-A30F-869DCD394CE6}" type="datetime1">
               <a:rPr lang="en-JM" smtClean="0"/>
-              <a:t>17/11/2014</a:t>
+              <a:t>18/11/2014</a:t>
             </a:fld>
             <a:endParaRPr lang="en-JM"/>
           </a:p>
@@ -3285,7 +3285,7 @@
           <a:p>
             <a:fld id="{39352BB9-2E4D-4A8F-A30F-869DCD394CE6}" type="datetime1">
               <a:rPr lang="en-JM" smtClean="0"/>
-              <a:t>17/11/2014</a:t>
+              <a:t>18/11/2014</a:t>
             </a:fld>
             <a:endParaRPr lang="en-JM" dirty="0"/>
           </a:p>
@@ -3486,7 +3486,7 @@
           <a:p>
             <a:fld id="{39352BB9-2E4D-4A8F-A30F-869DCD394CE6}" type="datetime1">
               <a:rPr lang="en-JM" smtClean="0"/>
-              <a:t>17/11/2014</a:t>
+              <a:t>18/11/2014</a:t>
             </a:fld>
             <a:endParaRPr lang="en-JM"/>
           </a:p>
@@ -3977,7 +3977,7 @@
           <a:p>
             <a:fld id="{39352BB9-2E4D-4A8F-A30F-869DCD394CE6}" type="datetime1">
               <a:rPr lang="en-JM" smtClean="0"/>
-              <a:t>17/11/2014</a:t>
+              <a:t>18/11/2014</a:t>
             </a:fld>
             <a:endParaRPr lang="en-JM"/>
           </a:p>
@@ -4510,7 +4510,7 @@
           <a:p>
             <a:fld id="{39352BB9-2E4D-4A8F-A30F-869DCD394CE6}" type="datetime1">
               <a:rPr lang="en-JM" smtClean="0"/>
-              <a:t>17/11/2014</a:t>
+              <a:t>18/11/2014</a:t>
             </a:fld>
             <a:endParaRPr lang="en-JM"/>
           </a:p>
@@ -5162,7 +5162,7 @@
           <a:p>
             <a:fld id="{39352BB9-2E4D-4A8F-A30F-869DCD394CE6}" type="datetime1">
               <a:rPr lang="en-JM" smtClean="0"/>
-              <a:t>17/11/2014</a:t>
+              <a:t>18/11/2014</a:t>
             </a:fld>
             <a:endParaRPr lang="en-JM"/>
           </a:p>
@@ -5327,7 +5327,7 @@
           <a:p>
             <a:fld id="{39352BB9-2E4D-4A8F-A30F-869DCD394CE6}" type="datetime1">
               <a:rPr lang="en-JM" smtClean="0"/>
-              <a:t>17/11/2014</a:t>
+              <a:t>18/11/2014</a:t>
             </a:fld>
             <a:endParaRPr lang="en-JM"/>
           </a:p>
@@ -5462,7 +5462,7 @@
           <a:p>
             <a:fld id="{39352BB9-2E4D-4A8F-A30F-869DCD394CE6}" type="datetime1">
               <a:rPr lang="en-JM" smtClean="0"/>
-              <a:t>17/11/2014</a:t>
+              <a:t>18/11/2014</a:t>
             </a:fld>
             <a:endParaRPr lang="en-JM"/>
           </a:p>
@@ -5717,7 +5717,7 @@
           <a:p>
             <a:fld id="{39352BB9-2E4D-4A8F-A30F-869DCD394CE6}" type="datetime1">
               <a:rPr lang="en-JM" smtClean="0"/>
-              <a:t>17/11/2014</a:t>
+              <a:t>18/11/2014</a:t>
             </a:fld>
             <a:endParaRPr lang="en-JM"/>
           </a:p>
@@ -6582,7 +6582,7 @@
           <a:p>
             <a:fld id="{39352BB9-2E4D-4A8F-A30F-869DCD394CE6}" type="datetime1">
               <a:rPr lang="en-JM" smtClean="0"/>
-              <a:t>17/11/2014</a:t>
+              <a:t>18/11/2014</a:t>
             </a:fld>
             <a:endParaRPr lang="en-JM"/>
           </a:p>
@@ -6998,7 +6998,7 @@
           <a:p>
             <a:fld id="{39352BB9-2E4D-4A8F-A30F-869DCD394CE6}" type="datetime1">
               <a:rPr lang="en-JM" smtClean="0"/>
-              <a:t>17/11/2014</a:t>
+              <a:t>18/11/2014</a:t>
             </a:fld>
             <a:endParaRPr lang="en-JM"/>
           </a:p>
@@ -7542,7 +7542,7 @@
           <a:p>
             <a:fld id="{39352BB9-2E4D-4A8F-A30F-869DCD394CE6}" type="datetime1">
               <a:rPr lang="en-JM" smtClean="0"/>
-              <a:t>17/11/2014</a:t>
+              <a:t>18/11/2014</a:t>
             </a:fld>
             <a:endParaRPr lang="en-JM"/>
           </a:p>
@@ -7912,7 +7912,7 @@
           <a:p>
             <a:fld id="{39352BB9-2E4D-4A8F-A30F-869DCD394CE6}" type="datetime1">
               <a:rPr lang="en-JM" smtClean="0"/>
-              <a:t>17/11/2014</a:t>
+              <a:t>18/11/2014</a:t>
             </a:fld>
             <a:endParaRPr lang="en-JM"/>
           </a:p>
@@ -8208,7 +8208,7 @@
           <a:p>
             <a:fld id="{39352BB9-2E4D-4A8F-A30F-869DCD394CE6}" type="datetime1">
               <a:rPr lang="en-JM" smtClean="0"/>
-              <a:t>17/11/2014</a:t>
+              <a:t>18/11/2014</a:t>
             </a:fld>
             <a:endParaRPr lang="en-JM"/>
           </a:p>
@@ -8811,7 +8811,7 @@
           <a:p>
             <a:fld id="{39352BB9-2E4D-4A8F-A30F-869DCD394CE6}" type="datetime1">
               <a:rPr lang="en-JM" smtClean="0"/>
-              <a:t>17/11/2014</a:t>
+              <a:t>18/11/2014</a:t>
             </a:fld>
             <a:endParaRPr lang="en-JM"/>
           </a:p>
@@ -9309,7 +9309,7 @@
           <a:p>
             <a:fld id="{39352BB9-2E4D-4A8F-A30F-869DCD394CE6}" type="datetime1">
               <a:rPr lang="en-JM" smtClean="0"/>
-              <a:t>17/11/2014</a:t>
+              <a:t>18/11/2014</a:t>
             </a:fld>
             <a:endParaRPr lang="en-JM"/>
           </a:p>
@@ -9448,7 +9448,7 @@
           <a:p>
             <a:fld id="{39352BB9-2E4D-4A8F-A30F-869DCD394CE6}" type="datetime1">
               <a:rPr lang="en-JM" smtClean="0"/>
-              <a:t>17/11/2014</a:t>
+              <a:t>18/11/2014</a:t>
             </a:fld>
             <a:endParaRPr lang="en-JM"/>
           </a:p>
@@ -9960,7 +9960,7 @@
           <a:p>
             <a:fld id="{39352BB9-2E4D-4A8F-A30F-869DCD394CE6}" type="datetime1">
               <a:rPr lang="en-JM" smtClean="0"/>
-              <a:t>17/11/2014</a:t>
+              <a:t>18/11/2014</a:t>
             </a:fld>
             <a:endParaRPr lang="en-JM"/>
           </a:p>
@@ -10364,7 +10364,7 @@
           <a:p>
             <a:fld id="{39352BB9-2E4D-4A8F-A30F-869DCD394CE6}" type="datetime1">
               <a:rPr lang="en-JM" smtClean="0"/>
-              <a:t>17/11/2014</a:t>
+              <a:t>18/11/2014</a:t>
             </a:fld>
             <a:endParaRPr lang="en-JM"/>
           </a:p>
@@ -11006,7 +11006,7 @@
           <a:p>
             <a:fld id="{43E8AEEF-AD5F-462F-98DA-46E8E031A314}" type="datetime1">
               <a:rPr lang="en-JM" smtClean="0"/>
-              <a:t>17/11/2014</a:t>
+              <a:t>18/11/2014</a:t>
             </a:fld>
             <a:endParaRPr lang="en-JM"/>
           </a:p>
@@ -12650,7 +12650,7 @@
           <a:p>
             <a:fld id="{3E76DD82-5DCC-4071-BC12-658EDB0398A0}" type="datetime1">
               <a:rPr lang="en-JM" smtClean="0"/>
-              <a:t>17/11/2014</a:t>
+              <a:t>18/11/2014</a:t>
             </a:fld>
             <a:endParaRPr lang="en-JM"/>
           </a:p>
@@ -12958,7 +12958,7 @@
           <a:p>
             <a:fld id="{A20F92F7-BFA5-4FC8-9176-0E596D1BF19F}" type="datetime1">
               <a:rPr lang="en-JM" smtClean="0"/>
-              <a:t>17/11/2014</a:t>
+              <a:t>18/11/2014</a:t>
             </a:fld>
             <a:endParaRPr lang="en-JM"/>
           </a:p>
@@ -13405,7 +13405,7 @@
           <a:p>
             <a:fld id="{4E09FE89-5BE7-43C8-B159-03917D2BDDAA}" type="datetime1">
               <a:rPr lang="en-JM" smtClean="0"/>
-              <a:t>17/11/2014</a:t>
+              <a:t>18/11/2014</a:t>
             </a:fld>
             <a:endParaRPr lang="en-JM"/>
           </a:p>
@@ -13539,7 +13539,7 @@
           <a:p>
             <a:fld id="{1EEBF81A-654F-4E0D-8F5F-FDC4853D54C3}" type="datetime1">
               <a:rPr lang="en-JM" smtClean="0"/>
-              <a:t>17/11/2014</a:t>
+              <a:t>18/11/2014</a:t>
             </a:fld>
             <a:endParaRPr lang="en-JM"/>
           </a:p>
@@ -13650,7 +13650,7 @@
           <a:p>
             <a:fld id="{60FC1258-519F-47AA-ACE8-CEBF186ED1E6}" type="datetime1">
               <a:rPr lang="en-JM" smtClean="0"/>
-              <a:t>17/11/2014</a:t>
+              <a:t>18/11/2014</a:t>
             </a:fld>
             <a:endParaRPr lang="en-JM"/>
           </a:p>
@@ -13784,7 +13784,7 @@
           <a:p>
             <a:fld id="{39352BB9-2E4D-4A8F-A30F-869DCD394CE6}" type="datetime1">
               <a:rPr lang="en-JM" smtClean="0"/>
-              <a:t>17/11/2014</a:t>
+              <a:t>18/11/2014</a:t>
             </a:fld>
             <a:endParaRPr lang="en-JM"/>
           </a:p>
@@ -14248,7 +14248,7 @@
           <a:p>
             <a:fld id="{39352BB9-2E4D-4A8F-A30F-869DCD394CE6}" type="datetime1">
               <a:rPr lang="en-JM" smtClean="0"/>
-              <a:t>17/11/2014</a:t>
+              <a:t>18/11/2014</a:t>
             </a:fld>
             <a:endParaRPr lang="en-JM"/>
           </a:p>
@@ -14801,7 +14801,7 @@
           <a:p>
             <a:fld id="{39352BB9-2E4D-4A8F-A30F-869DCD394CE6}" type="datetime1">
               <a:rPr lang="en-JM" smtClean="0"/>
-              <a:t>17/11/2014</a:t>
+              <a:t>18/11/2014</a:t>
             </a:fld>
             <a:endParaRPr lang="en-JM"/>
           </a:p>
@@ -15200,7 +15200,7 @@
           <a:p>
             <a:fld id="{39352BB9-2E4D-4A8F-A30F-869DCD394CE6}" type="datetime1">
               <a:rPr lang="en-JM" smtClean="0"/>
-              <a:t>17/11/2014</a:t>
+              <a:t>18/11/2014</a:t>
             </a:fld>
             <a:endParaRPr lang="en-JM"/>
           </a:p>
@@ -15427,7 +15427,7 @@
           <a:p>
             <a:fld id="{39352BB9-2E4D-4A8F-A30F-869DCD394CE6}" type="datetime1">
               <a:rPr lang="en-JM" smtClean="0"/>
-              <a:t>17/11/2014</a:t>
+              <a:t>18/11/2014</a:t>
             </a:fld>
             <a:endParaRPr lang="en-JM"/>
           </a:p>
@@ -16491,7 +16491,7 @@
           <a:p>
             <a:fld id="{39352BB9-2E4D-4A8F-A30F-869DCD394CE6}" type="datetime1">
               <a:rPr lang="en-JM" smtClean="0"/>
-              <a:t>17/11/2014</a:t>
+              <a:t>18/11/2014</a:t>
             </a:fld>
             <a:endParaRPr lang="en-JM"/>
           </a:p>
@@ -17249,7 +17249,7 @@
           <a:p>
             <a:fld id="{0C4CE691-07A3-4A65-B3D2-B9A894666F75}" type="datetime1">
               <a:rPr lang="en-JM" smtClean="0"/>
-              <a:t>17/11/2014</a:t>
+              <a:t>18/11/2014</a:t>
             </a:fld>
             <a:endParaRPr lang="en-JM"/>
           </a:p>
@@ -18476,17 +18476,7 @@
                 <a:latin typeface="Open Sans Extrabold"/>
                 <a:cs typeface="Open Sans Extrabold"/>
               </a:rPr>
-              <a:t>, Brian and </a:t>
-            </a:r>
-            <a:r>
-              <a:rPr lang="en-US" dirty="0" smtClean="0">
-                <a:solidFill>
-                  <a:schemeClr val="accent1"/>
-                </a:solidFill>
-                <a:latin typeface="Open Sans Extrabold"/>
-                <a:cs typeface="Open Sans Extrabold"/>
-              </a:rPr>
-              <a:t>Mahmood</a:t>
+              <a:t>, Brian and Mahmood</a:t>
             </a:r>
           </a:p>
         </p:txBody>
@@ -19257,54 +19247,111 @@
           </a:p>
         </p:txBody>
       </p:sp>
-      <p:sp>
-        <p:nvSpPr>
-          <p:cNvPr id="7" name="Picture Placeholder 6"/>
-          <p:cNvSpPr>
-            <a:spLocks noGrp="1"/>
-          </p:cNvSpPr>
+      <p:pic>
+        <p:nvPicPr>
+          <p:cNvPr id="19" name="Picture Placeholder 18"/>
+          <p:cNvPicPr>
+            <a:picLocks noGrp="1" noChangeAspect="1"/>
+          </p:cNvPicPr>
           <p:nvPr>
             <p:ph type="pic" sz="quarter" idx="50"/>
           </p:nvPr>
-        </p:nvSpPr>
+        </p:nvPicPr>
+        <p:blipFill>
+          <a:blip r:embed="rId2" cstate="print">
+            <a:extLst>
+              <a:ext uri="{28A0092B-C50C-407E-A947-70E740481C1C}">
+                <a14:useLocalDpi xmlns:a14="http://schemas.microsoft.com/office/drawing/2010/main" val="0"/>
+              </a:ext>
+            </a:extLst>
+          </a:blip>
+          <a:srcRect t="12500" b="12500"/>
+          <a:stretch>
+            <a:fillRect/>
+          </a:stretch>
+        </p:blipFill>
         <p:spPr/>
-      </p:sp>
-      <p:sp>
-        <p:nvSpPr>
-          <p:cNvPr id="8" name="Picture Placeholder 7"/>
-          <p:cNvSpPr>
-            <a:spLocks noGrp="1"/>
-          </p:cNvSpPr>
+      </p:pic>
+      <p:pic>
+        <p:nvPicPr>
+          <p:cNvPr id="20" name="Picture Placeholder 19"/>
+          <p:cNvPicPr>
+            <a:picLocks noGrp="1" noChangeAspect="1"/>
+          </p:cNvPicPr>
           <p:nvPr>
             <p:ph type="pic" sz="quarter" idx="51"/>
           </p:nvPr>
-        </p:nvSpPr>
+        </p:nvPicPr>
+        <p:blipFill>
+          <a:blip r:embed="rId3" cstate="print">
+            <a:extLst>
+              <a:ext uri="{28A0092B-C50C-407E-A947-70E740481C1C}">
+                <a14:useLocalDpi xmlns:a14="http://schemas.microsoft.com/office/drawing/2010/main" val="0"/>
+              </a:ext>
+            </a:extLst>
+          </a:blip>
+          <a:srcRect t="12500" b="12500"/>
+          <a:stretch>
+            <a:fillRect/>
+          </a:stretch>
+        </p:blipFill>
         <p:spPr/>
-      </p:sp>
-      <p:sp>
-        <p:nvSpPr>
-          <p:cNvPr id="9" name="Picture Placeholder 8"/>
-          <p:cNvSpPr>
-            <a:spLocks noGrp="1"/>
-          </p:cNvSpPr>
+      </p:pic>
+      <p:pic>
+        <p:nvPicPr>
+          <p:cNvPr id="21" name="Picture Placeholder 20"/>
+          <p:cNvPicPr>
+            <a:picLocks noGrp="1" noChangeAspect="1"/>
+          </p:cNvPicPr>
           <p:nvPr>
             <p:ph type="pic" sz="quarter" idx="52"/>
           </p:nvPr>
-        </p:nvSpPr>
+        </p:nvPicPr>
+        <p:blipFill>
+          <a:blip r:embed="rId4" cstate="print">
+            <a:extLst>
+              <a:ext uri="{28A0092B-C50C-407E-A947-70E740481C1C}">
+                <a14:useLocalDpi xmlns:a14="http://schemas.microsoft.com/office/drawing/2010/main" val="0"/>
+              </a:ext>
+            </a:extLst>
+          </a:blip>
+          <a:srcRect t="12500" b="12500"/>
+          <a:stretch>
+            <a:fillRect/>
+          </a:stretch>
+        </p:blipFill>
         <p:spPr/>
-      </p:sp>
-      <p:sp>
-        <p:nvSpPr>
-          <p:cNvPr id="10" name="Picture Placeholder 9"/>
-          <p:cNvSpPr>
-            <a:spLocks noGrp="1"/>
-          </p:cNvSpPr>
+      </p:pic>
+      <p:pic>
+        <p:nvPicPr>
+          <p:cNvPr id="22" name="Picture Placeholder 21"/>
+          <p:cNvPicPr>
+            <a:picLocks noGrp="1" noChangeAspect="1"/>
+          </p:cNvPicPr>
           <p:nvPr>
             <p:ph type="pic" sz="quarter" idx="53"/>
           </p:nvPr>
-        </p:nvSpPr>
-        <p:spPr/>
-      </p:sp>
+        </p:nvPicPr>
+        <p:blipFill>
+          <a:blip r:embed="rId5" cstate="print">
+            <a:extLst>
+              <a:ext uri="{28A0092B-C50C-407E-A947-70E740481C1C}">
+                <a14:useLocalDpi xmlns:a14="http://schemas.microsoft.com/office/drawing/2010/main" val="0"/>
+              </a:ext>
+            </a:extLst>
+          </a:blip>
+          <a:srcRect t="12500" b="12500"/>
+          <a:stretch>
+            <a:fillRect/>
+          </a:stretch>
+        </p:blipFill>
+        <p:spPr>
+          <a:xfrm>
+            <a:off x="6896100" y="1981200"/>
+            <a:ext cx="1600200" cy="1600200"/>
+          </a:xfrm>
+        </p:spPr>
+      </p:pic>
     </p:spTree>
     <p:extLst>
       <p:ext uri="{BB962C8B-B14F-4D97-AF65-F5344CB8AC3E}">
@@ -20121,19 +20168,7 @@
                 </a:solidFill>
                 <a:cs typeface="Calibri"/>
               </a:rPr>
-              <a:t> </a:t>
-            </a:r>
-            <a:r>
-              <a:rPr lang="en-JM" sz="1300" dirty="0" smtClean="0">
-                <a:solidFill>
-                  <a:schemeClr val="tx1">
-                    <a:lumMod val="75000"/>
-                    <a:lumOff val="25000"/>
-                  </a:schemeClr>
-                </a:solidFill>
-                <a:cs typeface="Calibri"/>
-              </a:rPr>
-              <a:t>failure</a:t>
+              <a:t> failure</a:t>
             </a:r>
             <a:endParaRPr lang="en-JM" sz="1300" dirty="0">
               <a:solidFill>
@@ -20315,7 +20350,6 @@
               <a:rPr lang="en-JM" dirty="0"/>
               <a:t>1</a:t>
             </a:r>
-            <a:endParaRPr lang="en-JM" dirty="0"/>
           </a:p>
         </p:txBody>
       </p:sp>
@@ -20349,7 +20383,6 @@
               <a:rPr lang="en-JM" dirty="0"/>
               <a:t>2</a:t>
             </a:r>
-            <a:endParaRPr lang="en-JM" dirty="0"/>
           </a:p>
         </p:txBody>
       </p:sp>
@@ -21408,7 +21441,6 @@
               <a:rPr lang="en-JM" dirty="0"/>
               <a:t>6</a:t>
             </a:r>
-            <a:endParaRPr lang="en-JM" dirty="0"/>
           </a:p>
         </p:txBody>
       </p:sp>
@@ -21776,13 +21808,13 @@
   <p:clrMapOvr>
     <a:masterClrMapping/>
   </p:clrMapOvr>
-  <mc:AlternateContent xmlns:mc="http://schemas.openxmlformats.org/markup-compatibility/2006">
-    <mc:Choice xmlns:p14="http://schemas.microsoft.com/office/powerpoint/2010/main" Requires="p14">
+  <mc:AlternateContent xmlns:mc="http://schemas.openxmlformats.org/markup-compatibility/2006" xmlns:p14="http://schemas.microsoft.com/office/powerpoint/2010/main">
+    <mc:Choice Requires="p14">
       <p:transition spd="slow" p14:dur="1250">
         <p14:flythrough/>
       </p:transition>
     </mc:Choice>
-    <mc:Fallback>
+    <mc:Fallback xmlns="">
       <p:transition spd="slow">
         <p:fade/>
       </p:transition>
